--- a/presentations/3_sampling/sampling_fy22.pptx
+++ b/presentations/3_sampling/sampling_fy22.pptx
@@ -4356,10 +4356,24 @@
     <dgm:pt modelId="{C8B4A553-B6F9-49B9-895C-CB630DD9BAF4}" type="parTrans" cxnId="{30DA72AA-E00D-478D-A69B-93C788E9E815}">
       <dgm:prSet/>
       <dgm:spPr/>
+      <dgm:t>
+        <a:bodyPr/>
+        <a:lstStyle/>
+        <a:p>
+          <a:endParaRPr lang="en-US"/>
+        </a:p>
+      </dgm:t>
     </dgm:pt>
     <dgm:pt modelId="{B1922187-6060-4F52-BF66-3D1AB0C68C9E}" type="sibTrans" cxnId="{30DA72AA-E00D-478D-A69B-93C788E9E815}">
       <dgm:prSet/>
       <dgm:spPr/>
+      <dgm:t>
+        <a:bodyPr/>
+        <a:lstStyle/>
+        <a:p>
+          <a:endParaRPr lang="en-US"/>
+        </a:p>
+      </dgm:t>
     </dgm:pt>
     <dgm:pt modelId="{2729B9FE-47AF-41E1-9C91-7BE31B84DAE5}">
       <dgm:prSet/>
@@ -4694,7 +4708,7 @@
       <dgm:spPr/>
     </dgm:pt>
     <dgm:pt modelId="{87CB62C4-95B0-405F-BD71-5D1A233DD29C}" type="pres">
-      <dgm:prSet presAssocID="{08EB59CB-58C4-4E7A-92B1-C426BF0AD512}" presName="descendantText" presStyleLbl="alignAccFollowNode1" presStyleIdx="0" presStyleCnt="3" custScaleY="42173">
+      <dgm:prSet presAssocID="{08EB59CB-58C4-4E7A-92B1-C426BF0AD512}" presName="descendantText" presStyleLbl="alignAccFollowNode1" presStyleIdx="0" presStyleCnt="3" custScaleY="44561">
         <dgm:presLayoutVars>
           <dgm:bulletEnabled val="1"/>
         </dgm:presLayoutVars>
@@ -4710,7 +4724,7 @@
       <dgm:spPr/>
     </dgm:pt>
     <dgm:pt modelId="{D4FCEFC2-F48B-45AC-A12B-A61EDC66D226}" type="pres">
-      <dgm:prSet presAssocID="{4C32B312-59F8-4D46-8E66-BC124CC983E5}" presName="parentText" presStyleLbl="node1" presStyleIdx="1" presStyleCnt="3" custLinFactNeighborX="-612" custLinFactNeighborY="2247">
+      <dgm:prSet presAssocID="{4C32B312-59F8-4D46-8E66-BC124CC983E5}" presName="parentText" presStyleLbl="node1" presStyleIdx="1" presStyleCnt="3" custScaleY="79352" custLinFactNeighborX="-612" custLinFactNeighborY="2247">
         <dgm:presLayoutVars>
           <dgm:chMax val="1"/>
           <dgm:bulletEnabled val="1"/>
@@ -4719,7 +4733,7 @@
       <dgm:spPr/>
     </dgm:pt>
     <dgm:pt modelId="{33FE9E40-7BC8-44AE-8D5D-F63FFAC904BC}" type="pres">
-      <dgm:prSet presAssocID="{4C32B312-59F8-4D46-8E66-BC124CC983E5}" presName="descendantText" presStyleLbl="alignAccFollowNode1" presStyleIdx="1" presStyleCnt="3" custScaleY="122200">
+      <dgm:prSet presAssocID="{4C32B312-59F8-4D46-8E66-BC124CC983E5}" presName="descendantText" presStyleLbl="alignAccFollowNode1" presStyleIdx="1" presStyleCnt="3" custScaleY="89100" custLinFactNeighborX="212" custLinFactNeighborY="3460">
         <dgm:presLayoutVars>
           <dgm:bulletEnabled val="1"/>
         </dgm:presLayoutVars>
@@ -7384,8 +7398,8 @@
       </dsp:nvSpPr>
       <dsp:spPr>
         <a:xfrm rot="5400000">
-          <a:off x="6597173" y="-2803928"/>
-          <a:ext cx="722566" cy="6549136"/>
+          <a:off x="6533543" y="-2750646"/>
+          <a:ext cx="849827" cy="6549136"/>
         </a:xfrm>
         <a:prstGeom prst="round2SameRect">
           <a:avLst/>
@@ -7426,12 +7440,12 @@
         <a:fontRef idx="minor"/>
       </dsp:style>
       <dsp:txBody>
-        <a:bodyPr spcFirstLastPara="0" vert="horz" wrap="square" lIns="45720" tIns="22860" rIns="45720" bIns="22860" numCol="1" spcCol="1270" anchor="ctr" anchorCtr="0">
+        <a:bodyPr spcFirstLastPara="0" vert="horz" wrap="square" lIns="49530" tIns="24765" rIns="49530" bIns="24765" numCol="1" spcCol="1270" anchor="ctr" anchorCtr="0">
           <a:noAutofit/>
         </a:bodyPr>
         <a:lstStyle/>
         <a:p>
-          <a:pPr marL="114300" lvl="1" indent="-114300" algn="l" defTabSz="533400">
+          <a:pPr marL="114300" lvl="1" indent="-114300" algn="l" defTabSz="577850">
             <a:lnSpc>
               <a:spcPct val="90000"/>
             </a:lnSpc>
@@ -7444,12 +7458,12 @@
             <a:buChar char="•"/>
           </a:pPr>
           <a:r>
-            <a:rPr lang="en-US" sz="1200" kern="1200" dirty="0"/>
+            <a:rPr lang="en-US" sz="1300" kern="1200" dirty="0"/>
             <a:t>Terms</a:t>
           </a:r>
         </a:p>
         <a:p>
-          <a:pPr marL="114300" lvl="1" indent="-114300" algn="l" defTabSz="533400">
+          <a:pPr marL="114300" lvl="1" indent="-114300" algn="l" defTabSz="577850">
             <a:lnSpc>
               <a:spcPct val="90000"/>
             </a:lnSpc>
@@ -7462,14 +7476,14 @@
             <a:buChar char="•"/>
           </a:pPr>
           <a:r>
-            <a:rPr lang="en-US" sz="1200" kern="1200" dirty="0"/>
+            <a:rPr lang="en-US" sz="1300" kern="1200" dirty="0"/>
             <a:t>Considerations</a:t>
           </a:r>
         </a:p>
       </dsp:txBody>
       <dsp:txXfrm rot="-5400000">
-        <a:off x="3683889" y="144629"/>
-        <a:ext cx="6513863" cy="652020"/>
+        <a:off x="3683889" y="140493"/>
+        <a:ext cx="6507651" cy="766857"/>
       </dsp:txXfrm>
     </dsp:sp>
     <dsp:sp modelId="{43866B9A-5927-4529-ACA8-C054BF6AB576}">
@@ -7479,8 +7493,8 @@
       </dsp:nvSpPr>
       <dsp:spPr>
         <a:xfrm>
-          <a:off x="0" y="616"/>
-          <a:ext cx="3683889" cy="940045"/>
+          <a:off x="0" y="741"/>
+          <a:ext cx="3683889" cy="1046359"/>
         </a:xfrm>
         <a:prstGeom prst="roundRect">
           <a:avLst/>
@@ -7538,8 +7552,8 @@
         </a:p>
       </dsp:txBody>
       <dsp:txXfrm>
-        <a:off x="45889" y="46505"/>
-        <a:ext cx="3592111" cy="848267"/>
+        <a:off x="51079" y="51820"/>
+        <a:ext cx="3581731" cy="944201"/>
       </dsp:txXfrm>
     </dsp:sp>
     <dsp:sp modelId="{33FE9E40-7BC8-44AE-8D5D-F63FFAC904BC}">
@@ -7549,8 +7563,8 @@
       </dsp:nvSpPr>
       <dsp:spPr>
         <a:xfrm rot="5400000">
-          <a:off x="5911606" y="-1155985"/>
-          <a:ext cx="2093700" cy="6549136"/>
+          <a:off x="6108839" y="-1096455"/>
+          <a:ext cx="1699234" cy="6549136"/>
         </a:xfrm>
         <a:prstGeom prst="round2SameRect">
           <a:avLst/>
@@ -7591,12 +7605,12 @@
         <a:fontRef idx="minor"/>
       </dsp:style>
       <dsp:txBody>
-        <a:bodyPr spcFirstLastPara="0" vert="horz" wrap="square" lIns="45720" tIns="22860" rIns="45720" bIns="22860" numCol="1" spcCol="1270" anchor="ctr" anchorCtr="0">
+        <a:bodyPr spcFirstLastPara="0" vert="horz" wrap="square" lIns="49530" tIns="24765" rIns="49530" bIns="24765" numCol="1" spcCol="1270" anchor="ctr" anchorCtr="0">
           <a:noAutofit/>
         </a:bodyPr>
         <a:lstStyle/>
         <a:p>
-          <a:pPr marL="114300" lvl="1" indent="-114300" algn="l" defTabSz="533400">
+          <a:pPr marL="114300" lvl="1" indent="-114300" algn="l" defTabSz="577850">
             <a:lnSpc>
               <a:spcPct val="90000"/>
             </a:lnSpc>
@@ -7609,12 +7623,12 @@
             <a:buChar char="•"/>
           </a:pPr>
           <a:r>
-            <a:rPr lang="en-US" sz="1200" kern="1200" dirty="0"/>
+            <a:rPr lang="en-US" sz="1300" kern="1200" dirty="0"/>
             <a:t>Standard error</a:t>
           </a:r>
         </a:p>
         <a:p>
-          <a:pPr marL="114300" lvl="1" indent="-114300" algn="l" defTabSz="533400">
+          <a:pPr marL="114300" lvl="1" indent="-114300" algn="l" defTabSz="577850">
             <a:lnSpc>
               <a:spcPct val="90000"/>
             </a:lnSpc>
@@ -7627,12 +7641,12 @@
             <a:buChar char="•"/>
           </a:pPr>
           <a:r>
-            <a:rPr lang="en-US" sz="1200" kern="1200" dirty="0"/>
+            <a:rPr lang="en-US" sz="1300" kern="1200" dirty="0"/>
             <a:t>Confidence interval</a:t>
           </a:r>
         </a:p>
         <a:p>
-          <a:pPr marL="114300" lvl="1" indent="-114300" algn="l" defTabSz="533400">
+          <a:pPr marL="114300" lvl="1" indent="-114300" algn="l" defTabSz="577850">
             <a:lnSpc>
               <a:spcPct val="90000"/>
             </a:lnSpc>
@@ -7645,12 +7659,12 @@
             <a:buChar char="•"/>
           </a:pPr>
           <a:r>
-            <a:rPr lang="en-US" sz="1200" kern="1200" dirty="0"/>
+            <a:rPr lang="en-US" sz="1300" kern="1200" dirty="0"/>
             <a:t>Power Analysis</a:t>
           </a:r>
         </a:p>
         <a:p>
-          <a:pPr marL="114300" lvl="1" indent="-114300" algn="l" defTabSz="533400">
+          <a:pPr marL="114300" lvl="1" indent="-114300" algn="l" defTabSz="577850">
             <a:lnSpc>
               <a:spcPct val="90000"/>
             </a:lnSpc>
@@ -7663,12 +7677,12 @@
             <a:buChar char="•"/>
           </a:pPr>
           <a:r>
-            <a:rPr lang="en-US" sz="1200" kern="1200" dirty="0"/>
+            <a:rPr lang="en-US" sz="1300" kern="1200" dirty="0"/>
             <a:t>Prediction Error</a:t>
           </a:r>
         </a:p>
         <a:p>
-          <a:pPr marL="114300" lvl="1" indent="-114300" algn="l" defTabSz="533400">
+          <a:pPr marL="114300" lvl="1" indent="-114300" algn="l" defTabSz="577850">
             <a:lnSpc>
               <a:spcPct val="90000"/>
             </a:lnSpc>
@@ -7681,12 +7695,12 @@
             <a:buChar char="•"/>
           </a:pPr>
           <a:r>
-            <a:rPr lang="en-US" sz="1200" kern="1200" dirty="0"/>
+            <a:rPr lang="en-US" sz="1300" kern="1200" dirty="0"/>
             <a:t>Distance/area/time</a:t>
           </a:r>
         </a:p>
         <a:p>
-          <a:pPr marL="114300" lvl="1" indent="-114300" algn="l" defTabSz="533400">
+          <a:pPr marL="114300" lvl="1" indent="-114300" algn="l" defTabSz="577850">
             <a:lnSpc>
               <a:spcPct val="90000"/>
             </a:lnSpc>
@@ -7699,12 +7713,12 @@
             <a:buChar char="•"/>
           </a:pPr>
           <a:r>
-            <a:rPr lang="en-US" sz="1200" kern="1200" dirty="0"/>
+            <a:rPr lang="en-US" sz="1300" kern="1200" dirty="0"/>
             <a:t>Rules of Thumb</a:t>
           </a:r>
         </a:p>
         <a:p>
-          <a:pPr marL="114300" lvl="1" indent="-114300" algn="l" defTabSz="533400">
+          <a:pPr marL="114300" lvl="1" indent="-114300" algn="l" defTabSz="577850">
             <a:lnSpc>
               <a:spcPct val="90000"/>
             </a:lnSpc>
@@ -7717,15 +7731,15 @@
             <a:buChar char="•"/>
           </a:pPr>
           <a:r>
-            <a:rPr lang="en-US" sz="1200" kern="1200" dirty="0"/>
+            <a:rPr lang="en-US" sz="1300" kern="1200" dirty="0"/>
             <a:t>NSSH 627.8</a:t>
           </a:r>
-          <a:endParaRPr lang="en-US" sz="1200" kern="1200"/>
+          <a:endParaRPr lang="en-US" sz="1300" kern="1200"/>
         </a:p>
       </dsp:txBody>
       <dsp:txXfrm rot="-5400000">
-        <a:off x="3683888" y="1173939"/>
-        <a:ext cx="6446930" cy="1889288"/>
+        <a:off x="3683888" y="1411446"/>
+        <a:ext cx="6466186" cy="1533334"/>
       </dsp:txXfrm>
     </dsp:sp>
     <dsp:sp modelId="{D4FCEFC2-F48B-45AC-A12B-A61EDC66D226}">
@@ -7735,8 +7749,8 @@
       </dsp:nvSpPr>
       <dsp:spPr>
         <a:xfrm>
-          <a:off x="0" y="1095869"/>
-          <a:ext cx="3683889" cy="2141674"/>
+          <a:off x="0" y="1219861"/>
+          <a:ext cx="3683889" cy="1891662"/>
         </a:xfrm>
         <a:prstGeom prst="roundRect">
           <a:avLst/>
@@ -7794,8 +7808,8 @@
         </a:p>
       </dsp:txBody>
       <dsp:txXfrm>
-        <a:off x="104548" y="1200417"/>
-        <a:ext cx="3474793" cy="1932578"/>
+        <a:off x="92343" y="1312204"/>
+        <a:ext cx="3499203" cy="1706976"/>
       </dsp:txXfrm>
     </dsp:sp>
     <dsp:sp modelId="{B8AE98D0-DFBB-4DDD-A0F0-B48F819B9D12}">
@@ -7805,8 +7819,8 @@
       </dsp:nvSpPr>
       <dsp:spPr>
         <a:xfrm rot="5400000">
-          <a:off x="6491846" y="549044"/>
-          <a:ext cx="933221" cy="6549136"/>
+          <a:off x="6439074" y="489306"/>
+          <a:ext cx="1038764" cy="6549136"/>
         </a:xfrm>
         <a:prstGeom prst="round2SameRect">
           <a:avLst/>
@@ -7847,12 +7861,12 @@
         <a:fontRef idx="minor"/>
       </dsp:style>
       <dsp:txBody>
-        <a:bodyPr spcFirstLastPara="0" vert="horz" wrap="square" lIns="45720" tIns="22860" rIns="45720" bIns="22860" numCol="1" spcCol="1270" anchor="ctr" anchorCtr="0">
+        <a:bodyPr spcFirstLastPara="0" vert="horz" wrap="square" lIns="49530" tIns="24765" rIns="49530" bIns="24765" numCol="1" spcCol="1270" anchor="ctr" anchorCtr="0">
           <a:noAutofit/>
         </a:bodyPr>
         <a:lstStyle/>
         <a:p>
-          <a:pPr marL="114300" lvl="1" indent="-114300" algn="l" defTabSz="533400">
+          <a:pPr marL="114300" lvl="1" indent="-114300" algn="l" defTabSz="577850">
             <a:lnSpc>
               <a:spcPct val="90000"/>
             </a:lnSpc>
@@ -7865,12 +7879,12 @@
             <a:buChar char="•"/>
           </a:pPr>
           <a:r>
-            <a:rPr lang="en-US" sz="1200" kern="1200" dirty="0"/>
+            <a:rPr lang="en-US" sz="1300" kern="1200" dirty="0"/>
             <a:t>Purposive</a:t>
           </a:r>
         </a:p>
         <a:p>
-          <a:pPr marL="114300" lvl="1" indent="-114300" algn="l" defTabSz="533400">
+          <a:pPr marL="114300" lvl="1" indent="-114300" algn="l" defTabSz="577850">
             <a:lnSpc>
               <a:spcPct val="90000"/>
             </a:lnSpc>
@@ -7883,12 +7897,12 @@
             <a:buChar char="•"/>
           </a:pPr>
           <a:r>
-            <a:rPr lang="en-US" sz="1200" kern="1200" dirty="0"/>
+            <a:rPr lang="en-US" sz="1300" kern="1200" dirty="0"/>
             <a:t>Probability</a:t>
           </a:r>
         </a:p>
         <a:p>
-          <a:pPr marL="228600" lvl="2" indent="-114300" algn="l" defTabSz="533400">
+          <a:pPr marL="228600" lvl="2" indent="-114300" algn="l" defTabSz="577850">
             <a:lnSpc>
               <a:spcPct val="90000"/>
             </a:lnSpc>
@@ -7901,12 +7915,12 @@
             <a:buChar char="•"/>
           </a:pPr>
           <a:r>
-            <a:rPr lang="en-US" sz="1200" kern="1200" dirty="0"/>
+            <a:rPr lang="en-US" sz="1300" kern="1200" dirty="0"/>
             <a:t>Weighting</a:t>
           </a:r>
         </a:p>
         <a:p>
-          <a:pPr marL="114300" lvl="1" indent="-114300" algn="l" defTabSz="533400">
+          <a:pPr marL="114300" lvl="1" indent="-114300" algn="l" defTabSz="577850">
             <a:lnSpc>
               <a:spcPct val="90000"/>
             </a:lnSpc>
@@ -7919,14 +7933,14 @@
             <a:buChar char="•"/>
           </a:pPr>
           <a:r>
-            <a:rPr lang="en-US" sz="1200" kern="1200" dirty="0"/>
+            <a:rPr lang="en-US" sz="1300" kern="1200" dirty="0"/>
             <a:t>Geometric</a:t>
           </a:r>
         </a:p>
       </dsp:txBody>
       <dsp:txXfrm rot="-5400000">
-        <a:off x="3683889" y="3402557"/>
-        <a:ext cx="6503580" cy="842109"/>
+        <a:off x="3683888" y="3295200"/>
+        <a:ext cx="6498428" cy="937348"/>
       </dsp:txXfrm>
     </dsp:sp>
     <dsp:sp modelId="{970F773A-05EC-4671-B2EE-21386172825B}">
@@ -7936,8 +7950,8 @@
       </dsp:nvSpPr>
       <dsp:spPr>
         <a:xfrm>
-          <a:off x="0" y="3296503"/>
-          <a:ext cx="3683889" cy="1054217"/>
+          <a:off x="0" y="3177151"/>
+          <a:ext cx="3683889" cy="1173444"/>
         </a:xfrm>
         <a:prstGeom prst="roundRect">
           <a:avLst/>
@@ -7995,8 +8009,8 @@
         </a:p>
       </dsp:txBody>
       <dsp:txXfrm>
-        <a:off x="51463" y="3347966"/>
-        <a:ext cx="3580963" cy="951291"/>
+        <a:off x="57283" y="3234434"/>
+        <a:ext cx="3569323" cy="1058878"/>
       </dsp:txXfrm>
     </dsp:sp>
   </dsp:spTree>
@@ -18133,7 +18147,7 @@
           <a:p>
             <a:fld id="{90EE9BF3-F99A-4A48-A3C5-42B23A1CE592}" type="datetimeFigureOut">
               <a:rPr lang="en-US" smtClean="0"/>
-              <a:t>1/31/2022</a:t>
+              <a:t>2/3/2022</a:t>
             </a:fld>
             <a:endParaRPr lang="en-US"/>
           </a:p>
@@ -18703,7 +18717,7 @@
           <a:p>
             <a:fld id="{1491E80D-70F1-4EE5-BA43-9C67AE610E98}" type="datetimeFigureOut">
               <a:rPr lang="en-US" smtClean="0"/>
-              <a:t>1/31/2022</a:t>
+              <a:t>2/3/2022</a:t>
             </a:fld>
             <a:endParaRPr lang="en-US"/>
           </a:p>
@@ -18984,7 +18998,7 @@
           <a:p>
             <a:fld id="{1491E80D-70F1-4EE5-BA43-9C67AE610E98}" type="datetimeFigureOut">
               <a:rPr lang="en-US" smtClean="0"/>
-              <a:t>1/31/2022</a:t>
+              <a:t>2/3/2022</a:t>
             </a:fld>
             <a:endParaRPr lang="en-US"/>
           </a:p>
@@ -19176,7 +19190,7 @@
           <a:p>
             <a:fld id="{1491E80D-70F1-4EE5-BA43-9C67AE610E98}" type="datetimeFigureOut">
               <a:rPr lang="en-US" smtClean="0"/>
-              <a:t>1/31/2022</a:t>
+              <a:t>2/3/2022</a:t>
             </a:fld>
             <a:endParaRPr lang="en-US"/>
           </a:p>
@@ -19437,7 +19451,7 @@
           <a:p>
             <a:fld id="{1491E80D-70F1-4EE5-BA43-9C67AE610E98}" type="datetimeFigureOut">
               <a:rPr lang="en-US" smtClean="0"/>
-              <a:t>1/31/2022</a:t>
+              <a:t>2/3/2022</a:t>
             </a:fld>
             <a:endParaRPr lang="en-US"/>
           </a:p>
@@ -19863,7 +19877,7 @@
           <a:p>
             <a:fld id="{1491E80D-70F1-4EE5-BA43-9C67AE610E98}" type="datetimeFigureOut">
               <a:rPr lang="en-US" smtClean="0"/>
-              <a:t>1/31/2022</a:t>
+              <a:t>2/3/2022</a:t>
             </a:fld>
             <a:endParaRPr lang="en-US"/>
           </a:p>
@@ -20409,7 +20423,7 @@
           <a:p>
             <a:fld id="{1491E80D-70F1-4EE5-BA43-9C67AE610E98}" type="datetimeFigureOut">
               <a:rPr lang="en-US" smtClean="0"/>
-              <a:t>1/31/2022</a:t>
+              <a:t>2/3/2022</a:t>
             </a:fld>
             <a:endParaRPr lang="en-US"/>
           </a:p>
@@ -21240,7 +21254,7 @@
           <a:p>
             <a:fld id="{1491E80D-70F1-4EE5-BA43-9C67AE610E98}" type="datetimeFigureOut">
               <a:rPr lang="en-US" smtClean="0"/>
-              <a:t>1/31/2022</a:t>
+              <a:t>2/3/2022</a:t>
             </a:fld>
             <a:endParaRPr lang="en-US"/>
           </a:p>
@@ -21410,7 +21424,7 @@
           <a:p>
             <a:fld id="{1491E80D-70F1-4EE5-BA43-9C67AE610E98}" type="datetimeFigureOut">
               <a:rPr lang="en-US" smtClean="0"/>
-              <a:t>1/31/2022</a:t>
+              <a:t>2/3/2022</a:t>
             </a:fld>
             <a:endParaRPr lang="en-US"/>
           </a:p>
@@ -21590,7 +21604,7 @@
           <a:p>
             <a:fld id="{1491E80D-70F1-4EE5-BA43-9C67AE610E98}" type="datetimeFigureOut">
               <a:rPr lang="en-US" smtClean="0"/>
-              <a:t>1/31/2022</a:t>
+              <a:t>2/3/2022</a:t>
             </a:fld>
             <a:endParaRPr lang="en-US"/>
           </a:p>
@@ -22182,7 +22196,7 @@
           <a:p>
             <a:fld id="{1491E80D-70F1-4EE5-BA43-9C67AE610E98}" type="datetimeFigureOut">
               <a:rPr lang="en-US" smtClean="0"/>
-              <a:t>1/31/2022</a:t>
+              <a:t>2/3/2022</a:t>
             </a:fld>
             <a:endParaRPr lang="en-US"/>
           </a:p>
@@ -22439,7 +22453,7 @@
           <a:p>
             <a:fld id="{1491E80D-70F1-4EE5-BA43-9C67AE610E98}" type="datetimeFigureOut">
               <a:rPr lang="en-US" smtClean="0"/>
-              <a:t>1/31/2022</a:t>
+              <a:t>2/3/2022</a:t>
             </a:fld>
             <a:endParaRPr lang="en-US"/>
           </a:p>
@@ -22671,7 +22685,7 @@
           <a:p>
             <a:fld id="{1491E80D-70F1-4EE5-BA43-9C67AE610E98}" type="datetimeFigureOut">
               <a:rPr lang="en-US" smtClean="0"/>
-              <a:t>1/31/2022</a:t>
+              <a:t>2/3/2022</a:t>
             </a:fld>
             <a:endParaRPr lang="en-US"/>
           </a:p>
@@ -23064,7 +23078,7 @@
           <a:p>
             <a:fld id="{1491E80D-70F1-4EE5-BA43-9C67AE610E98}" type="datetimeFigureOut">
               <a:rPr lang="en-US" smtClean="0"/>
-              <a:t>1/31/2022</a:t>
+              <a:t>2/3/2022</a:t>
             </a:fld>
             <a:endParaRPr lang="en-US"/>
           </a:p>
@@ -23182,7 +23196,7 @@
           <a:p>
             <a:fld id="{1491E80D-70F1-4EE5-BA43-9C67AE610E98}" type="datetimeFigureOut">
               <a:rPr lang="en-US" smtClean="0"/>
-              <a:t>1/31/2022</a:t>
+              <a:t>2/3/2022</a:t>
             </a:fld>
             <a:endParaRPr lang="en-US"/>
           </a:p>
@@ -23277,7 +23291,7 @@
           <a:p>
             <a:fld id="{1491E80D-70F1-4EE5-BA43-9C67AE610E98}" type="datetimeFigureOut">
               <a:rPr lang="en-US" smtClean="0"/>
-              <a:t>1/31/2022</a:t>
+              <a:t>2/3/2022</a:t>
             </a:fld>
             <a:endParaRPr lang="en-US"/>
           </a:p>
@@ -23550,7 +23564,7 @@
           <a:p>
             <a:fld id="{1491E80D-70F1-4EE5-BA43-9C67AE610E98}" type="datetimeFigureOut">
               <a:rPr lang="en-US" smtClean="0"/>
-              <a:t>1/31/2022</a:t>
+              <a:t>2/3/2022</a:t>
             </a:fld>
             <a:endParaRPr lang="en-US"/>
           </a:p>
@@ -23831,7 +23845,7 @@
           <a:p>
             <a:fld id="{1491E80D-70F1-4EE5-BA43-9C67AE610E98}" type="datetimeFigureOut">
               <a:rPr lang="en-US" smtClean="0"/>
-              <a:t>1/31/2022</a:t>
+              <a:t>2/3/2022</a:t>
             </a:fld>
             <a:endParaRPr lang="en-US"/>
           </a:p>
@@ -24071,7 +24085,7 @@
           <a:p>
             <a:fld id="{1491E80D-70F1-4EE5-BA43-9C67AE610E98}" type="datetimeFigureOut">
               <a:rPr lang="en-US" smtClean="0"/>
-              <a:t>1/31/2022</a:t>
+              <a:t>2/3/2022</a:t>
             </a:fld>
             <a:endParaRPr lang="en-US"/>
           </a:p>
@@ -29658,7 +29672,10 @@
           <a:bodyPr/>
           <a:lstStyle/>
           <a:p>
-            <a:endParaRPr lang="en-US" dirty="0"/>
+            <a:r>
+              <a:rPr lang="en-US" dirty="0"/>
+              <a:t>References</a:t>
+            </a:r>
           </a:p>
         </p:txBody>
       </p:sp>
@@ -29683,7 +29700,74 @@
           <a:bodyPr/>
           <a:lstStyle/>
           <a:p>
-            <a:endParaRPr lang="en-US"/>
+            <a:r>
+              <a:rPr lang="en-US" dirty="0">
+                <a:effectLst/>
+              </a:rPr>
+              <a:t>Ma, T., Brus, D. J., Zhu, A.-X., Zhang, L., &amp; Scholten, T. (2020). Comparison of conditioned Latin hypercube and feature space coverage sampling for predicting soil classes using simulation from soil maps. </a:t>
+            </a:r>
+            <a:r>
+              <a:rPr lang="en-US" i="1" dirty="0" err="1">
+                <a:effectLst/>
+              </a:rPr>
+              <a:t>Geoderma</a:t>
+            </a:r>
+            <a:r>
+              <a:rPr lang="en-US" dirty="0">
+                <a:effectLst/>
+              </a:rPr>
+              <a:t>, </a:t>
+            </a:r>
+            <a:r>
+              <a:rPr lang="en-US" i="1" dirty="0">
+                <a:effectLst/>
+              </a:rPr>
+              <a:t>370</a:t>
+            </a:r>
+            <a:r>
+              <a:rPr lang="en-US" dirty="0">
+                <a:effectLst/>
+              </a:rPr>
+              <a:t>, 114366. https://doi.org/10.1016/j.geoderma.2020.114366</a:t>
+            </a:r>
+          </a:p>
+          <a:p>
+            <a:r>
+              <a:rPr lang="en-US" dirty="0" err="1">
+                <a:effectLst/>
+              </a:rPr>
+              <a:t>Wadoux</a:t>
+            </a:r>
+            <a:r>
+              <a:rPr lang="en-US" dirty="0">
+                <a:effectLst/>
+              </a:rPr>
+              <a:t>, A. M. J. ‐C., &amp; Brus, D. J. (2021). How to compare sampling designs for mapping? </a:t>
+            </a:r>
+            <a:r>
+              <a:rPr lang="en-US" i="1" dirty="0">
+                <a:effectLst/>
+              </a:rPr>
+              <a:t>European Journal of Soil Science</a:t>
+            </a:r>
+            <a:r>
+              <a:rPr lang="en-US" dirty="0">
+                <a:effectLst/>
+              </a:rPr>
+              <a:t>, </a:t>
+            </a:r>
+            <a:r>
+              <a:rPr lang="en-US" i="1" dirty="0">
+                <a:effectLst/>
+              </a:rPr>
+              <a:t>72</a:t>
+            </a:r>
+            <a:r>
+              <a:rPr lang="en-US" dirty="0">
+                <a:effectLst/>
+              </a:rPr>
+              <a:t>(1), 35–46. https://doi.org/10.1111/ejss.12962</a:t>
+            </a:r>
           </a:p>
         </p:txBody>
       </p:sp>
@@ -29731,6 +29815,34 @@
           <a:chExt cx="0" cy="0"/>
         </a:xfrm>
       </p:grpSpPr>
+      <p:sp>
+        <p:nvSpPr>
+          <p:cNvPr id="2" name="Title 1">
+            <a:extLst>
+              <a:ext uri="{FF2B5EF4-FFF2-40B4-BE49-F238E27FC236}">
+                <a16:creationId xmlns:a16="http://schemas.microsoft.com/office/drawing/2014/main" id="{9D61F842-6B6F-4988-B4B1-63943CA7FF3B}"/>
+              </a:ext>
+            </a:extLst>
+          </p:cNvPr>
+          <p:cNvSpPr>
+            <a:spLocks noGrp="1"/>
+          </p:cNvSpPr>
+          <p:nvPr>
+            <p:ph type="title"/>
+          </p:nvPr>
+        </p:nvSpPr>
+        <p:spPr/>
+        <p:txBody>
+          <a:bodyPr/>
+          <a:lstStyle/>
+          <a:p>
+            <a:r>
+              <a:rPr lang="en-US" dirty="0"/>
+              <a:t>The Problem</a:t>
+            </a:r>
+          </a:p>
+        </p:txBody>
+      </p:sp>
     </p:spTree>
     <p:extLst>
       <p:ext uri="{BB962C8B-B14F-4D97-AF65-F5344CB8AC3E}">
@@ -29830,7 +29942,7 @@
             <p:ph idx="1"/>
             <p:extLst>
               <p:ext uri="{D42A27DB-BD31-4B8C-83A1-F6EECF244321}">
-                <p14:modId xmlns:p14="http://schemas.microsoft.com/office/powerpoint/2010/main" val="1672456826"/>
+                <p14:modId xmlns:p14="http://schemas.microsoft.com/office/powerpoint/2010/main" val="3657033874"/>
               </p:ext>
             </p:extLst>
           </p:nvPr>
@@ -30497,7 +30609,7 @@
         </p:blipFill>
         <p:spPr>
           <a:xfrm>
-            <a:off x="6457715" y="1825625"/>
+            <a:off x="6473345" y="1473932"/>
             <a:ext cx="5410669" cy="4793395"/>
           </a:xfrm>
           <a:prstGeom prst="rect">
@@ -30505,6 +30617,41 @@
           </a:prstGeom>
         </p:spPr>
       </p:pic>
+      <p:sp>
+        <p:nvSpPr>
+          <p:cNvPr id="3" name="TextBox 2">
+            <a:extLst>
+              <a:ext uri="{FF2B5EF4-FFF2-40B4-BE49-F238E27FC236}">
+                <a16:creationId xmlns:a16="http://schemas.microsoft.com/office/drawing/2014/main" id="{558092D0-629D-4275-BCC4-4E44F6449E94}"/>
+              </a:ext>
+            </a:extLst>
+          </p:cNvPr>
+          <p:cNvSpPr txBox="1"/>
+          <p:nvPr/>
+        </p:nvSpPr>
+        <p:spPr>
+          <a:xfrm>
+            <a:off x="6562717" y="6296879"/>
+            <a:ext cx="5365983" cy="461665"/>
+          </a:xfrm>
+          <a:prstGeom prst="rect">
+            <a:avLst/>
+          </a:prstGeom>
+          <a:noFill/>
+        </p:spPr>
+        <p:txBody>
+          <a:bodyPr wrap="square" rtlCol="0">
+            <a:spAutoFit/>
+          </a:bodyPr>
+          <a:lstStyle/>
+          <a:p>
+            <a:r>
+              <a:rPr lang="en-US" sz="1200" dirty="0"/>
+              <a:t>The dashed line represents a taxonomic break, while the solid lines are the group means.</a:t>
+            </a:r>
+          </a:p>
+        </p:txBody>
+      </p:sp>
     </p:spTree>
     <p:extLst>
       <p:ext uri="{BB962C8B-B14F-4D97-AF65-F5344CB8AC3E}">
@@ -30593,6 +30740,50 @@
           </a:prstGeom>
         </p:spPr>
       </p:pic>
+      <p:sp>
+        <p:nvSpPr>
+          <p:cNvPr id="3" name="TextBox 2">
+            <a:extLst>
+              <a:ext uri="{FF2B5EF4-FFF2-40B4-BE49-F238E27FC236}">
+                <a16:creationId xmlns:a16="http://schemas.microsoft.com/office/drawing/2014/main" id="{C0A7CAFB-D8E9-4741-B796-44A47A0E2C00}"/>
+              </a:ext>
+            </a:extLst>
+          </p:cNvPr>
+          <p:cNvSpPr txBox="1"/>
+          <p:nvPr/>
+        </p:nvSpPr>
+        <p:spPr>
+          <a:xfrm>
+            <a:off x="1238086" y="5502442"/>
+            <a:ext cx="2342949" cy="307777"/>
+          </a:xfrm>
+          <a:prstGeom prst="rect">
+            <a:avLst/>
+          </a:prstGeom>
+          <a:noFill/>
+        </p:spPr>
+        <p:txBody>
+          <a:bodyPr wrap="none" rtlCol="0">
+            <a:spAutoFit/>
+          </a:bodyPr>
+          <a:lstStyle/>
+          <a:p>
+            <a:r>
+              <a:rPr lang="en-US" sz="1400" dirty="0"/>
+              <a:t>From </a:t>
+            </a:r>
+            <a:r>
+              <a:rPr lang="en-US" sz="1400" dirty="0" err="1"/>
+              <a:t>Wadoux</a:t>
+            </a:r>
+            <a:r>
+              <a:rPr lang="en-US" sz="1400" dirty="0"/>
+              <a:t> and Brus, 2020</a:t>
+            </a:r>
+            <a:endParaRPr lang="en-US" dirty="0"/>
+          </a:p>
+        </p:txBody>
+      </p:sp>
     </p:spTree>
     <p:extLst>
       <p:ext uri="{BB962C8B-B14F-4D97-AF65-F5344CB8AC3E}">
@@ -30752,6 +30943,42 @@
           </a:prstGeom>
         </p:spPr>
       </p:pic>
+      <p:sp>
+        <p:nvSpPr>
+          <p:cNvPr id="6" name="TextBox 5">
+            <a:extLst>
+              <a:ext uri="{FF2B5EF4-FFF2-40B4-BE49-F238E27FC236}">
+                <a16:creationId xmlns:a16="http://schemas.microsoft.com/office/drawing/2014/main" id="{0B4126CC-4A2E-43D2-A94D-606991A33F9F}"/>
+              </a:ext>
+            </a:extLst>
+          </p:cNvPr>
+          <p:cNvSpPr txBox="1"/>
+          <p:nvPr/>
+        </p:nvSpPr>
+        <p:spPr>
+          <a:xfrm>
+            <a:off x="347132" y="4786044"/>
+            <a:ext cx="1693733" cy="307777"/>
+          </a:xfrm>
+          <a:prstGeom prst="rect">
+            <a:avLst/>
+          </a:prstGeom>
+          <a:noFill/>
+        </p:spPr>
+        <p:txBody>
+          <a:bodyPr wrap="none" rtlCol="0">
+            <a:spAutoFit/>
+          </a:bodyPr>
+          <a:lstStyle/>
+          <a:p>
+            <a:r>
+              <a:rPr lang="en-US" sz="1400" dirty="0"/>
+              <a:t>From Ma et al., 2020</a:t>
+            </a:r>
+            <a:endParaRPr lang="en-US" dirty="0"/>
+          </a:p>
+        </p:txBody>
+      </p:sp>
     </p:spTree>
     <p:extLst>
       <p:ext uri="{BB962C8B-B14F-4D97-AF65-F5344CB8AC3E}">

--- a/presentations/3_sampling/sampling_fy22.pptx
+++ b/presentations/3_sampling/sampling_fy22.pptx
@@ -5,7 +5,7 @@
     <p:sldMasterId id="2147483665" r:id="rId1"/>
   </p:sldMasterIdLst>
   <p:notesMasterIdLst>
-    <p:notesMasterId r:id="rId21"/>
+    <p:notesMasterId r:id="rId22"/>
   </p:notesMasterIdLst>
   <p:sldIdLst>
     <p:sldId id="256" r:id="rId2"/>
@@ -26,7 +26,8 @@
     <p:sldId id="365" r:id="rId17"/>
     <p:sldId id="366" r:id="rId18"/>
     <p:sldId id="358" r:id="rId19"/>
-    <p:sldId id="369" r:id="rId20"/>
+    <p:sldId id="372" r:id="rId20"/>
+    <p:sldId id="369" r:id="rId21"/>
   </p:sldIdLst>
   <p:sldSz cx="12192000" cy="6858000"/>
   <p:notesSz cx="6858000" cy="9144000"/>
@@ -152,6 +153,7 @@
             <p14:sldId id="365"/>
             <p14:sldId id="366"/>
             <p14:sldId id="358"/>
+            <p14:sldId id="372"/>
             <p14:sldId id="369"/>
           </p14:sldIdLst>
         </p14:section>
@@ -18147,7 +18149,7 @@
           <a:p>
             <a:fld id="{90EE9BF3-F99A-4A48-A3C5-42B23A1CE592}" type="datetimeFigureOut">
               <a:rPr lang="en-US" smtClean="0"/>
-              <a:t>2/3/2022</a:t>
+              <a:t>2/1/2024</a:t>
             </a:fld>
             <a:endParaRPr lang="en-US"/>
           </a:p>
@@ -18717,7 +18719,7 @@
           <a:p>
             <a:fld id="{1491E80D-70F1-4EE5-BA43-9C67AE610E98}" type="datetimeFigureOut">
               <a:rPr lang="en-US" smtClean="0"/>
-              <a:t>2/3/2022</a:t>
+              <a:t>2/1/2024</a:t>
             </a:fld>
             <a:endParaRPr lang="en-US"/>
           </a:p>
@@ -18998,7 +19000,7 @@
           <a:p>
             <a:fld id="{1491E80D-70F1-4EE5-BA43-9C67AE610E98}" type="datetimeFigureOut">
               <a:rPr lang="en-US" smtClean="0"/>
-              <a:t>2/3/2022</a:t>
+              <a:t>2/1/2024</a:t>
             </a:fld>
             <a:endParaRPr lang="en-US"/>
           </a:p>
@@ -19190,7 +19192,7 @@
           <a:p>
             <a:fld id="{1491E80D-70F1-4EE5-BA43-9C67AE610E98}" type="datetimeFigureOut">
               <a:rPr lang="en-US" smtClean="0"/>
-              <a:t>2/3/2022</a:t>
+              <a:t>2/1/2024</a:t>
             </a:fld>
             <a:endParaRPr lang="en-US"/>
           </a:p>
@@ -19451,7 +19453,7 @@
           <a:p>
             <a:fld id="{1491E80D-70F1-4EE5-BA43-9C67AE610E98}" type="datetimeFigureOut">
               <a:rPr lang="en-US" smtClean="0"/>
-              <a:t>2/3/2022</a:t>
+              <a:t>2/1/2024</a:t>
             </a:fld>
             <a:endParaRPr lang="en-US"/>
           </a:p>
@@ -19877,7 +19879,7 @@
           <a:p>
             <a:fld id="{1491E80D-70F1-4EE5-BA43-9C67AE610E98}" type="datetimeFigureOut">
               <a:rPr lang="en-US" smtClean="0"/>
-              <a:t>2/3/2022</a:t>
+              <a:t>2/1/2024</a:t>
             </a:fld>
             <a:endParaRPr lang="en-US"/>
           </a:p>
@@ -20423,7 +20425,7 @@
           <a:p>
             <a:fld id="{1491E80D-70F1-4EE5-BA43-9C67AE610E98}" type="datetimeFigureOut">
               <a:rPr lang="en-US" smtClean="0"/>
-              <a:t>2/3/2022</a:t>
+              <a:t>2/1/2024</a:t>
             </a:fld>
             <a:endParaRPr lang="en-US"/>
           </a:p>
@@ -21254,7 +21256,7 @@
           <a:p>
             <a:fld id="{1491E80D-70F1-4EE5-BA43-9C67AE610E98}" type="datetimeFigureOut">
               <a:rPr lang="en-US" smtClean="0"/>
-              <a:t>2/3/2022</a:t>
+              <a:t>2/1/2024</a:t>
             </a:fld>
             <a:endParaRPr lang="en-US"/>
           </a:p>
@@ -21424,7 +21426,7 @@
           <a:p>
             <a:fld id="{1491E80D-70F1-4EE5-BA43-9C67AE610E98}" type="datetimeFigureOut">
               <a:rPr lang="en-US" smtClean="0"/>
-              <a:t>2/3/2022</a:t>
+              <a:t>2/1/2024</a:t>
             </a:fld>
             <a:endParaRPr lang="en-US"/>
           </a:p>
@@ -21604,7 +21606,7 @@
           <a:p>
             <a:fld id="{1491E80D-70F1-4EE5-BA43-9C67AE610E98}" type="datetimeFigureOut">
               <a:rPr lang="en-US" smtClean="0"/>
-              <a:t>2/3/2022</a:t>
+              <a:t>2/1/2024</a:t>
             </a:fld>
             <a:endParaRPr lang="en-US"/>
           </a:p>
@@ -22196,7 +22198,7 @@
           <a:p>
             <a:fld id="{1491E80D-70F1-4EE5-BA43-9C67AE610E98}" type="datetimeFigureOut">
               <a:rPr lang="en-US" smtClean="0"/>
-              <a:t>2/3/2022</a:t>
+              <a:t>2/1/2024</a:t>
             </a:fld>
             <a:endParaRPr lang="en-US"/>
           </a:p>
@@ -22453,7 +22455,7 @@
           <a:p>
             <a:fld id="{1491E80D-70F1-4EE5-BA43-9C67AE610E98}" type="datetimeFigureOut">
               <a:rPr lang="en-US" smtClean="0"/>
-              <a:t>2/3/2022</a:t>
+              <a:t>2/1/2024</a:t>
             </a:fld>
             <a:endParaRPr lang="en-US"/>
           </a:p>
@@ -22685,7 +22687,7 @@
           <a:p>
             <a:fld id="{1491E80D-70F1-4EE5-BA43-9C67AE610E98}" type="datetimeFigureOut">
               <a:rPr lang="en-US" smtClean="0"/>
-              <a:t>2/3/2022</a:t>
+              <a:t>2/1/2024</a:t>
             </a:fld>
             <a:endParaRPr lang="en-US"/>
           </a:p>
@@ -23078,7 +23080,7 @@
           <a:p>
             <a:fld id="{1491E80D-70F1-4EE5-BA43-9C67AE610E98}" type="datetimeFigureOut">
               <a:rPr lang="en-US" smtClean="0"/>
-              <a:t>2/3/2022</a:t>
+              <a:t>2/1/2024</a:t>
             </a:fld>
             <a:endParaRPr lang="en-US"/>
           </a:p>
@@ -23196,7 +23198,7 @@
           <a:p>
             <a:fld id="{1491E80D-70F1-4EE5-BA43-9C67AE610E98}" type="datetimeFigureOut">
               <a:rPr lang="en-US" smtClean="0"/>
-              <a:t>2/3/2022</a:t>
+              <a:t>2/1/2024</a:t>
             </a:fld>
             <a:endParaRPr lang="en-US"/>
           </a:p>
@@ -23291,7 +23293,7 @@
           <a:p>
             <a:fld id="{1491E80D-70F1-4EE5-BA43-9C67AE610E98}" type="datetimeFigureOut">
               <a:rPr lang="en-US" smtClean="0"/>
-              <a:t>2/3/2022</a:t>
+              <a:t>2/1/2024</a:t>
             </a:fld>
             <a:endParaRPr lang="en-US"/>
           </a:p>
@@ -23564,7 +23566,7 @@
           <a:p>
             <a:fld id="{1491E80D-70F1-4EE5-BA43-9C67AE610E98}" type="datetimeFigureOut">
               <a:rPr lang="en-US" smtClean="0"/>
-              <a:t>2/3/2022</a:t>
+              <a:t>2/1/2024</a:t>
             </a:fld>
             <a:endParaRPr lang="en-US"/>
           </a:p>
@@ -23845,7 +23847,7 @@
           <a:p>
             <a:fld id="{1491E80D-70F1-4EE5-BA43-9C67AE610E98}" type="datetimeFigureOut">
               <a:rPr lang="en-US" smtClean="0"/>
-              <a:t>2/3/2022</a:t>
+              <a:t>2/1/2024</a:t>
             </a:fld>
             <a:endParaRPr lang="en-US"/>
           </a:p>
@@ -24085,7 +24087,7 @@
           <a:p>
             <a:fld id="{1491E80D-70F1-4EE5-BA43-9C67AE610E98}" type="datetimeFigureOut">
               <a:rPr lang="en-US" smtClean="0"/>
-              <a:t>2/3/2022</a:t>
+              <a:t>2/1/2024</a:t>
             </a:fld>
             <a:endParaRPr lang="en-US"/>
           </a:p>
@@ -26548,8 +26550,8 @@
         </p:blipFill>
         <p:spPr>
           <a:xfrm>
-            <a:off x="10024305" y="4366419"/>
-            <a:ext cx="1917031" cy="2301792"/>
+            <a:off x="9448137" y="3674610"/>
+            <a:ext cx="2493199" cy="2993601"/>
           </a:xfrm>
           <a:prstGeom prst="rect">
             <a:avLst/>
@@ -29653,6 +29655,595 @@
       </p:grpSpPr>
       <p:sp>
         <p:nvSpPr>
+          <p:cNvPr id="9" name="Title 8">
+            <a:extLst>
+              <a:ext uri="{FF2B5EF4-FFF2-40B4-BE49-F238E27FC236}">
+                <a16:creationId xmlns:a16="http://schemas.microsoft.com/office/drawing/2014/main" id="{2BE1728E-917B-4FAD-819A-6D825EAC07E9}"/>
+              </a:ext>
+            </a:extLst>
+          </p:cNvPr>
+          <p:cNvSpPr>
+            <a:spLocks noGrp="1"/>
+          </p:cNvSpPr>
+          <p:nvPr>
+            <p:ph type="title"/>
+          </p:nvPr>
+        </p:nvSpPr>
+        <p:spPr/>
+        <p:txBody>
+          <a:bodyPr>
+            <a:normAutofit fontScale="90000"/>
+          </a:bodyPr>
+          <a:lstStyle/>
+          <a:p>
+            <a:r>
+              <a:rPr lang="en-US" dirty="0"/>
+              <a:t>Covariate Space Coverage Sampling</a:t>
+            </a:r>
+            <a:br>
+              <a:rPr lang="en-US" dirty="0"/>
+            </a:br>
+            <a:r>
+              <a:rPr lang="en-US" dirty="0"/>
+              <a:t>(i.e. k-means clustering)</a:t>
+            </a:r>
+          </a:p>
+        </p:txBody>
+      </p:sp>
+      <p:sp>
+        <p:nvSpPr>
+          <p:cNvPr id="10" name="Text Placeholder 9">
+            <a:extLst>
+              <a:ext uri="{FF2B5EF4-FFF2-40B4-BE49-F238E27FC236}">
+                <a16:creationId xmlns:a16="http://schemas.microsoft.com/office/drawing/2014/main" id="{977A77C0-1277-4F0C-927B-4F0C446124AD}"/>
+              </a:ext>
+            </a:extLst>
+          </p:cNvPr>
+          <p:cNvSpPr>
+            <a:spLocks noGrp="1"/>
+          </p:cNvSpPr>
+          <p:nvPr>
+            <p:ph type="body" idx="1"/>
+          </p:nvPr>
+        </p:nvSpPr>
+        <p:spPr/>
+        <p:txBody>
+          <a:bodyPr/>
+          <a:lstStyle/>
+          <a:p>
+            <a:r>
+              <a:rPr lang="en-US" dirty="0"/>
+              <a:t>Advantages</a:t>
+            </a:r>
+          </a:p>
+        </p:txBody>
+      </p:sp>
+      <p:sp>
+        <p:nvSpPr>
+          <p:cNvPr id="13" name="Text Placeholder 12">
+            <a:extLst>
+              <a:ext uri="{FF2B5EF4-FFF2-40B4-BE49-F238E27FC236}">
+                <a16:creationId xmlns:a16="http://schemas.microsoft.com/office/drawing/2014/main" id="{85787944-1971-4001-A853-B4DEB0A404B5}"/>
+              </a:ext>
+            </a:extLst>
+          </p:cNvPr>
+          <p:cNvSpPr>
+            <a:spLocks noGrp="1"/>
+          </p:cNvSpPr>
+          <p:nvPr>
+            <p:ph type="body" sz="half" idx="15"/>
+          </p:nvPr>
+        </p:nvSpPr>
+        <p:spPr/>
+        <p:txBody>
+          <a:bodyPr/>
+          <a:lstStyle/>
+          <a:p>
+            <a:pPr marL="285750" indent="-285750">
+              <a:buFont typeface="Arial" panose="020B0604020202020204" pitchFamily="34" charset="0"/>
+              <a:buChar char="•"/>
+            </a:pPr>
+            <a:r>
+              <a:rPr lang="en-US" dirty="0"/>
+              <a:t>Maximumly stratifies the predictors</a:t>
+            </a:r>
+          </a:p>
+          <a:p>
+            <a:pPr marL="285750" indent="-285750">
+              <a:buFont typeface="Arial" panose="020B0604020202020204" pitchFamily="34" charset="0"/>
+              <a:buChar char="•"/>
+            </a:pPr>
+            <a:r>
+              <a:rPr lang="en-US" dirty="0"/>
+              <a:t>Automated sample selection</a:t>
+            </a:r>
+          </a:p>
+          <a:p>
+            <a:pPr marL="285750" indent="-285750">
+              <a:buFont typeface="Arial" panose="020B0604020202020204" pitchFamily="34" charset="0"/>
+              <a:buChar char="•"/>
+            </a:pPr>
+            <a:r>
+              <a:rPr lang="en-US" dirty="0"/>
+              <a:t>Can incorporates cost constraints</a:t>
+            </a:r>
+          </a:p>
+          <a:p>
+            <a:pPr marL="285750" indent="-285750">
+              <a:buFont typeface="Arial" panose="020B0604020202020204" pitchFamily="34" charset="0"/>
+              <a:buChar char="•"/>
+            </a:pPr>
+            <a:r>
+              <a:rPr lang="en-US" dirty="0"/>
+              <a:t>Can incorporate legacy points</a:t>
+            </a:r>
+          </a:p>
+          <a:p>
+            <a:pPr marL="285750" indent="-285750">
+              <a:buFont typeface="Arial" panose="020B0604020202020204" pitchFamily="34" charset="0"/>
+              <a:buChar char="•"/>
+            </a:pPr>
+            <a:r>
+              <a:rPr lang="en-US" dirty="0"/>
+              <a:t>Easily scales to multiple GIS layers</a:t>
+            </a:r>
+          </a:p>
+          <a:p>
+            <a:endParaRPr lang="en-US" dirty="0"/>
+          </a:p>
+        </p:txBody>
+      </p:sp>
+      <p:sp>
+        <p:nvSpPr>
+          <p:cNvPr id="11" name="Text Placeholder 10">
+            <a:extLst>
+              <a:ext uri="{FF2B5EF4-FFF2-40B4-BE49-F238E27FC236}">
+                <a16:creationId xmlns:a16="http://schemas.microsoft.com/office/drawing/2014/main" id="{BFE0CBFB-5507-4070-80EC-DE4A8B90D2D8}"/>
+              </a:ext>
+            </a:extLst>
+          </p:cNvPr>
+          <p:cNvSpPr>
+            <a:spLocks noGrp="1"/>
+          </p:cNvSpPr>
+          <p:nvPr>
+            <p:ph type="body" sz="quarter" idx="3"/>
+          </p:nvPr>
+        </p:nvSpPr>
+        <p:spPr/>
+        <p:txBody>
+          <a:bodyPr/>
+          <a:lstStyle/>
+          <a:p>
+            <a:r>
+              <a:rPr lang="en-US" dirty="0"/>
+              <a:t>Disadvantages</a:t>
+            </a:r>
+          </a:p>
+        </p:txBody>
+      </p:sp>
+      <p:sp>
+        <p:nvSpPr>
+          <p:cNvPr id="14" name="Text Placeholder 13">
+            <a:extLst>
+              <a:ext uri="{FF2B5EF4-FFF2-40B4-BE49-F238E27FC236}">
+                <a16:creationId xmlns:a16="http://schemas.microsoft.com/office/drawing/2014/main" id="{CD82318E-78CB-4985-8199-E279B459A709}"/>
+              </a:ext>
+            </a:extLst>
+          </p:cNvPr>
+          <p:cNvSpPr>
+            <a:spLocks noGrp="1"/>
+          </p:cNvSpPr>
+          <p:nvPr>
+            <p:ph type="body" sz="half" idx="16"/>
+          </p:nvPr>
+        </p:nvSpPr>
+        <p:spPr/>
+        <p:txBody>
+          <a:bodyPr/>
+          <a:lstStyle/>
+          <a:p>
+            <a:pPr marL="285750" indent="-285750">
+              <a:buFont typeface="Arial" panose="020B0604020202020204" pitchFamily="34" charset="0"/>
+              <a:buChar char="•"/>
+            </a:pPr>
+            <a:r>
+              <a:rPr lang="en-US" dirty="0"/>
+              <a:t>Not ideal for map validation (non – probability sample)</a:t>
+            </a:r>
+          </a:p>
+          <a:p>
+            <a:pPr marL="285750" indent="-285750">
+              <a:buFont typeface="Arial" panose="020B0604020202020204" pitchFamily="34" charset="0"/>
+              <a:buChar char="•"/>
+            </a:pPr>
+            <a:r>
+              <a:rPr lang="en-US" b="1" dirty="0"/>
+              <a:t>Ideal</a:t>
+            </a:r>
+            <a:r>
+              <a:rPr lang="en-US" dirty="0"/>
+              <a:t> for developing map unit concepts (puts points in weird landscape positions)</a:t>
+            </a:r>
+          </a:p>
+          <a:p>
+            <a:pPr marL="285750" indent="-285750">
+              <a:buFont typeface="Arial" panose="020B0604020202020204" pitchFamily="34" charset="0"/>
+              <a:buChar char="•"/>
+            </a:pPr>
+            <a:r>
+              <a:rPr lang="en-US" dirty="0"/>
+              <a:t>Inefficient with large GIS layers</a:t>
+            </a:r>
+          </a:p>
+          <a:p>
+            <a:endParaRPr lang="en-US" dirty="0"/>
+          </a:p>
+        </p:txBody>
+      </p:sp>
+      <p:sp>
+        <p:nvSpPr>
+          <p:cNvPr id="12" name="Text Placeholder 11">
+            <a:extLst>
+              <a:ext uri="{FF2B5EF4-FFF2-40B4-BE49-F238E27FC236}">
+                <a16:creationId xmlns:a16="http://schemas.microsoft.com/office/drawing/2014/main" id="{995C5244-7D14-44E9-AD1D-669A3827C918}"/>
+              </a:ext>
+            </a:extLst>
+          </p:cNvPr>
+          <p:cNvSpPr>
+            <a:spLocks noGrp="1"/>
+          </p:cNvSpPr>
+          <p:nvPr>
+            <p:ph type="body" sz="quarter" idx="13"/>
+          </p:nvPr>
+        </p:nvSpPr>
+        <p:spPr/>
+        <p:txBody>
+          <a:bodyPr/>
+          <a:lstStyle/>
+          <a:p>
+            <a:r>
+              <a:rPr lang="en-US" dirty="0"/>
+              <a:t>Use cases</a:t>
+            </a:r>
+          </a:p>
+        </p:txBody>
+      </p:sp>
+      <p:sp>
+        <p:nvSpPr>
+          <p:cNvPr id="15" name="Text Placeholder 14">
+            <a:extLst>
+              <a:ext uri="{FF2B5EF4-FFF2-40B4-BE49-F238E27FC236}">
+                <a16:creationId xmlns:a16="http://schemas.microsoft.com/office/drawing/2014/main" id="{0F41ACB3-1BAB-49F5-87F7-1D811C30A0CB}"/>
+              </a:ext>
+            </a:extLst>
+          </p:cNvPr>
+          <p:cNvSpPr>
+            <a:spLocks noGrp="1"/>
+          </p:cNvSpPr>
+          <p:nvPr>
+            <p:ph type="body" sz="half" idx="17"/>
+          </p:nvPr>
+        </p:nvSpPr>
+        <p:spPr/>
+        <p:txBody>
+          <a:bodyPr/>
+          <a:lstStyle/>
+          <a:p>
+            <a:pPr marL="285750" indent="-285750">
+              <a:buFont typeface="Arial" panose="020B0604020202020204" pitchFamily="34" charset="0"/>
+              <a:buChar char="•"/>
+            </a:pPr>
+            <a:r>
+              <a:rPr lang="en-US" dirty="0"/>
+              <a:t>When you have GIS layers that can be used as predictors (e.g. DSM) </a:t>
+            </a:r>
+          </a:p>
+        </p:txBody>
+      </p:sp>
+      <p:grpSp>
+        <p:nvGrpSpPr>
+          <p:cNvPr id="17" name="Group 16">
+            <a:extLst>
+              <a:ext uri="{FF2B5EF4-FFF2-40B4-BE49-F238E27FC236}">
+                <a16:creationId xmlns:a16="http://schemas.microsoft.com/office/drawing/2014/main" id="{FAE68F06-9F71-4C9D-8517-EFE12C91B879}"/>
+              </a:ext>
+            </a:extLst>
+          </p:cNvPr>
+          <p:cNvGrpSpPr/>
+          <p:nvPr/>
+        </p:nvGrpSpPr>
+        <p:grpSpPr>
+          <a:xfrm>
+            <a:off x="12331949" y="6058482"/>
+            <a:ext cx="2932113" cy="2596234"/>
+            <a:chOff x="7859607" y="32293"/>
+            <a:chExt cx="4072359" cy="4072359"/>
+          </a:xfrm>
+        </p:grpSpPr>
+        <p:pic>
+          <p:nvPicPr>
+            <p:cNvPr id="18" name="Picture 17">
+              <a:extLst>
+                <a:ext uri="{FF2B5EF4-FFF2-40B4-BE49-F238E27FC236}">
+                  <a16:creationId xmlns:a16="http://schemas.microsoft.com/office/drawing/2014/main" id="{D2D5933E-5A7F-49EA-A2CE-A2AF684B128D}"/>
+                </a:ext>
+              </a:extLst>
+            </p:cNvPr>
+            <p:cNvPicPr>
+              <a:picLocks noChangeAspect="1"/>
+            </p:cNvPicPr>
+            <p:nvPr/>
+          </p:nvPicPr>
+          <p:blipFill>
+            <a:blip r:embed="rId2"/>
+            <a:stretch>
+              <a:fillRect/>
+            </a:stretch>
+          </p:blipFill>
+          <p:spPr>
+            <a:xfrm>
+              <a:off x="7859607" y="32293"/>
+              <a:ext cx="3462759" cy="3462759"/>
+            </a:xfrm>
+            <a:prstGeom prst="rect">
+              <a:avLst/>
+            </a:prstGeom>
+          </p:spPr>
+        </p:pic>
+        <p:pic>
+          <p:nvPicPr>
+            <p:cNvPr id="19" name="Picture 18">
+              <a:extLst>
+                <a:ext uri="{FF2B5EF4-FFF2-40B4-BE49-F238E27FC236}">
+                  <a16:creationId xmlns:a16="http://schemas.microsoft.com/office/drawing/2014/main" id="{1020CA8A-312E-4C9D-A900-622E1F9214DD}"/>
+                </a:ext>
+              </a:extLst>
+            </p:cNvPr>
+            <p:cNvPicPr>
+              <a:picLocks noChangeAspect="1"/>
+            </p:cNvPicPr>
+            <p:nvPr/>
+          </p:nvPicPr>
+          <p:blipFill>
+            <a:blip r:embed="rId2"/>
+            <a:stretch>
+              <a:fillRect/>
+            </a:stretch>
+          </p:blipFill>
+          <p:spPr>
+            <a:xfrm>
+              <a:off x="8012007" y="184693"/>
+              <a:ext cx="3462759" cy="3462759"/>
+            </a:xfrm>
+            <a:prstGeom prst="rect">
+              <a:avLst/>
+            </a:prstGeom>
+          </p:spPr>
+        </p:pic>
+        <p:pic>
+          <p:nvPicPr>
+            <p:cNvPr id="20" name="Picture 19">
+              <a:extLst>
+                <a:ext uri="{FF2B5EF4-FFF2-40B4-BE49-F238E27FC236}">
+                  <a16:creationId xmlns:a16="http://schemas.microsoft.com/office/drawing/2014/main" id="{2F208824-19D6-477D-8453-AB3AADA586F9}"/>
+                </a:ext>
+              </a:extLst>
+            </p:cNvPr>
+            <p:cNvPicPr>
+              <a:picLocks noChangeAspect="1"/>
+            </p:cNvPicPr>
+            <p:nvPr/>
+          </p:nvPicPr>
+          <p:blipFill>
+            <a:blip r:embed="rId2"/>
+            <a:stretch>
+              <a:fillRect/>
+            </a:stretch>
+          </p:blipFill>
+          <p:spPr>
+            <a:xfrm>
+              <a:off x="8164407" y="337093"/>
+              <a:ext cx="3462759" cy="3462759"/>
+            </a:xfrm>
+            <a:prstGeom prst="rect">
+              <a:avLst/>
+            </a:prstGeom>
+          </p:spPr>
+        </p:pic>
+        <p:pic>
+          <p:nvPicPr>
+            <p:cNvPr id="21" name="Picture 20">
+              <a:extLst>
+                <a:ext uri="{FF2B5EF4-FFF2-40B4-BE49-F238E27FC236}">
+                  <a16:creationId xmlns:a16="http://schemas.microsoft.com/office/drawing/2014/main" id="{B1E38CDD-6E71-4E01-AB09-DDE1C0BEC1FB}"/>
+                </a:ext>
+              </a:extLst>
+            </p:cNvPr>
+            <p:cNvPicPr>
+              <a:picLocks noChangeAspect="1"/>
+            </p:cNvPicPr>
+            <p:nvPr/>
+          </p:nvPicPr>
+          <p:blipFill>
+            <a:blip r:embed="rId2"/>
+            <a:stretch>
+              <a:fillRect/>
+            </a:stretch>
+          </p:blipFill>
+          <p:spPr>
+            <a:xfrm>
+              <a:off x="8316807" y="489493"/>
+              <a:ext cx="3462759" cy="3462759"/>
+            </a:xfrm>
+            <a:prstGeom prst="rect">
+              <a:avLst/>
+            </a:prstGeom>
+          </p:spPr>
+        </p:pic>
+        <p:pic>
+          <p:nvPicPr>
+            <p:cNvPr id="22" name="Picture 21">
+              <a:extLst>
+                <a:ext uri="{FF2B5EF4-FFF2-40B4-BE49-F238E27FC236}">
+                  <a16:creationId xmlns:a16="http://schemas.microsoft.com/office/drawing/2014/main" id="{399EF069-2D96-46C5-AB0B-3D1EB435D8A8}"/>
+                </a:ext>
+              </a:extLst>
+            </p:cNvPr>
+            <p:cNvPicPr>
+              <a:picLocks noChangeAspect="1"/>
+            </p:cNvPicPr>
+            <p:nvPr/>
+          </p:nvPicPr>
+          <p:blipFill>
+            <a:blip r:embed="rId2"/>
+            <a:stretch>
+              <a:fillRect/>
+            </a:stretch>
+          </p:blipFill>
+          <p:spPr>
+            <a:xfrm>
+              <a:off x="8469207" y="641893"/>
+              <a:ext cx="3462759" cy="3462759"/>
+            </a:xfrm>
+            <a:prstGeom prst="rect">
+              <a:avLst/>
+            </a:prstGeom>
+          </p:spPr>
+        </p:pic>
+      </p:grpSp>
+      <p:pic>
+        <p:nvPicPr>
+          <p:cNvPr id="24" name="Picture 23">
+            <a:extLst>
+              <a:ext uri="{FF2B5EF4-FFF2-40B4-BE49-F238E27FC236}">
+                <a16:creationId xmlns:a16="http://schemas.microsoft.com/office/drawing/2014/main" id="{BF817B5B-5779-565F-C5A6-228F1C630D84}"/>
+              </a:ext>
+            </a:extLst>
+          </p:cNvPr>
+          <p:cNvPicPr>
+            <a:picLocks noChangeAspect="1"/>
+          </p:cNvPicPr>
+          <p:nvPr/>
+        </p:nvPicPr>
+        <p:blipFill rotWithShape="1">
+          <a:blip r:embed="rId3"/>
+          <a:srcRect l="12401" r="10872"/>
+          <a:stretch/>
+        </p:blipFill>
+        <p:spPr>
+          <a:xfrm>
+            <a:off x="8937116" y="3715210"/>
+            <a:ext cx="2749959" cy="2905791"/>
+          </a:xfrm>
+          <a:prstGeom prst="rect">
+            <a:avLst/>
+          </a:prstGeom>
+        </p:spPr>
+      </p:pic>
+    </p:spTree>
+    <p:extLst>
+      <p:ext uri="{BB962C8B-B14F-4D97-AF65-F5344CB8AC3E}">
+        <p14:creationId xmlns:p14="http://schemas.microsoft.com/office/powerpoint/2010/main" val="1829610687"/>
+      </p:ext>
+    </p:extLst>
+  </p:cSld>
+  <p:clrMapOvr>
+    <a:masterClrMapping/>
+  </p:clrMapOvr>
+</p:sld>
+</file>
+
+<file path=ppt/slides/slide2.xml><?xml version="1.0" encoding="utf-8"?>
+<p:sld xmlns:a="http://schemas.openxmlformats.org/drawingml/2006/main" xmlns:r="http://schemas.openxmlformats.org/officeDocument/2006/relationships" xmlns:p="http://schemas.openxmlformats.org/presentationml/2006/main">
+  <p:cSld>
+    <p:bg>
+      <p:bgPr>
+        <a:blipFill dpi="0" rotWithShape="1">
+          <a:blip r:embed="rId2">
+            <a:lum/>
+          </a:blip>
+          <a:srcRect/>
+          <a:stretch>
+            <a:fillRect t="-17000" b="-17000"/>
+          </a:stretch>
+        </a:blipFill>
+        <a:effectLst/>
+      </p:bgPr>
+    </p:bg>
+    <p:spTree>
+      <p:nvGrpSpPr>
+        <p:cNvPr id="1" name=""/>
+        <p:cNvGrpSpPr/>
+        <p:nvPr/>
+      </p:nvGrpSpPr>
+      <p:grpSpPr>
+        <a:xfrm>
+          <a:off x="0" y="0"/>
+          <a:ext cx="0" cy="0"/>
+          <a:chOff x="0" y="0"/>
+          <a:chExt cx="0" cy="0"/>
+        </a:xfrm>
+      </p:grpSpPr>
+      <p:sp>
+        <p:nvSpPr>
+          <p:cNvPr id="2" name="Title 1">
+            <a:extLst>
+              <a:ext uri="{FF2B5EF4-FFF2-40B4-BE49-F238E27FC236}">
+                <a16:creationId xmlns:a16="http://schemas.microsoft.com/office/drawing/2014/main" id="{9D61F842-6B6F-4988-B4B1-63943CA7FF3B}"/>
+              </a:ext>
+            </a:extLst>
+          </p:cNvPr>
+          <p:cNvSpPr>
+            <a:spLocks noGrp="1"/>
+          </p:cNvSpPr>
+          <p:nvPr>
+            <p:ph type="title"/>
+          </p:nvPr>
+        </p:nvSpPr>
+        <p:spPr/>
+        <p:txBody>
+          <a:bodyPr/>
+          <a:lstStyle/>
+          <a:p>
+            <a:r>
+              <a:rPr lang="en-US" dirty="0"/>
+              <a:t>The Problem</a:t>
+            </a:r>
+          </a:p>
+        </p:txBody>
+      </p:sp>
+    </p:spTree>
+    <p:extLst>
+      <p:ext uri="{BB962C8B-B14F-4D97-AF65-F5344CB8AC3E}">
+        <p14:creationId xmlns:p14="http://schemas.microsoft.com/office/powerpoint/2010/main" val="1323211003"/>
+      </p:ext>
+    </p:extLst>
+  </p:cSld>
+  <p:clrMapOvr>
+    <a:masterClrMapping/>
+  </p:clrMapOvr>
+</p:sld>
+</file>
+
+<file path=ppt/slides/slide20.xml><?xml version="1.0" encoding="utf-8"?>
+<p:sld xmlns:a="http://schemas.openxmlformats.org/drawingml/2006/main" xmlns:r="http://schemas.openxmlformats.org/officeDocument/2006/relationships" xmlns:p="http://schemas.openxmlformats.org/presentationml/2006/main">
+  <p:cSld>
+    <p:spTree>
+      <p:nvGrpSpPr>
+        <p:cNvPr id="1" name=""/>
+        <p:cNvGrpSpPr/>
+        <p:nvPr/>
+      </p:nvGrpSpPr>
+      <p:grpSpPr>
+        <a:xfrm>
+          <a:off x="0" y="0"/>
+          <a:ext cx="0" cy="0"/>
+          <a:chOff x="0" y="0"/>
+          <a:chExt cx="0" cy="0"/>
+        </a:xfrm>
+      </p:grpSpPr>
+      <p:sp>
+        <p:nvSpPr>
           <p:cNvPr id="2" name="Title 1">
             <a:extLst>
               <a:ext uri="{FF2B5EF4-FFF2-40B4-BE49-F238E27FC236}">
@@ -29775,78 +30366,6 @@
     <p:extLst>
       <p:ext uri="{BB962C8B-B14F-4D97-AF65-F5344CB8AC3E}">
         <p14:creationId xmlns:p14="http://schemas.microsoft.com/office/powerpoint/2010/main" val="3553976253"/>
-      </p:ext>
-    </p:extLst>
-  </p:cSld>
-  <p:clrMapOvr>
-    <a:masterClrMapping/>
-  </p:clrMapOvr>
-</p:sld>
-</file>
-
-<file path=ppt/slides/slide2.xml><?xml version="1.0" encoding="utf-8"?>
-<p:sld xmlns:a="http://schemas.openxmlformats.org/drawingml/2006/main" xmlns:r="http://schemas.openxmlformats.org/officeDocument/2006/relationships" xmlns:p="http://schemas.openxmlformats.org/presentationml/2006/main">
-  <p:cSld>
-    <p:bg>
-      <p:bgPr>
-        <a:blipFill dpi="0" rotWithShape="1">
-          <a:blip r:embed="rId2">
-            <a:lum/>
-          </a:blip>
-          <a:srcRect/>
-          <a:stretch>
-            <a:fillRect t="-17000" b="-17000"/>
-          </a:stretch>
-        </a:blipFill>
-        <a:effectLst/>
-      </p:bgPr>
-    </p:bg>
-    <p:spTree>
-      <p:nvGrpSpPr>
-        <p:cNvPr id="1" name=""/>
-        <p:cNvGrpSpPr/>
-        <p:nvPr/>
-      </p:nvGrpSpPr>
-      <p:grpSpPr>
-        <a:xfrm>
-          <a:off x="0" y="0"/>
-          <a:ext cx="0" cy="0"/>
-          <a:chOff x="0" y="0"/>
-          <a:chExt cx="0" cy="0"/>
-        </a:xfrm>
-      </p:grpSpPr>
-      <p:sp>
-        <p:nvSpPr>
-          <p:cNvPr id="2" name="Title 1">
-            <a:extLst>
-              <a:ext uri="{FF2B5EF4-FFF2-40B4-BE49-F238E27FC236}">
-                <a16:creationId xmlns:a16="http://schemas.microsoft.com/office/drawing/2014/main" id="{9D61F842-6B6F-4988-B4B1-63943CA7FF3B}"/>
-              </a:ext>
-            </a:extLst>
-          </p:cNvPr>
-          <p:cNvSpPr>
-            <a:spLocks noGrp="1"/>
-          </p:cNvSpPr>
-          <p:nvPr>
-            <p:ph type="title"/>
-          </p:nvPr>
-        </p:nvSpPr>
-        <p:spPr/>
-        <p:txBody>
-          <a:bodyPr/>
-          <a:lstStyle/>
-          <a:p>
-            <a:r>
-              <a:rPr lang="en-US" dirty="0"/>
-              <a:t>The Problem</a:t>
-            </a:r>
-          </a:p>
-        </p:txBody>
-      </p:sp>
-    </p:spTree>
-    <p:extLst>
-      <p:ext uri="{BB962C8B-B14F-4D97-AF65-F5344CB8AC3E}">
-        <p14:creationId xmlns:p14="http://schemas.microsoft.com/office/powerpoint/2010/main" val="1323211003"/>
       </p:ext>
     </p:extLst>
   </p:cSld>
